--- a/presentation/Памятка участнику #УчимЗнаем.pptx
+++ b/presentation/Памятка участнику #УчимЗнаем.pptx
@@ -8,9 +8,7 @@
     <p:sldId id="256" r:id="rId2"/>
     <p:sldId id="257" r:id="rId3"/>
     <p:sldId id="258" r:id="rId4"/>
-    <p:sldId id="259" r:id="rId5"/>
-    <p:sldId id="260" r:id="rId6"/>
-    <p:sldId id="261" r:id="rId7"/>
+    <p:sldId id="260" r:id="rId5"/>
   </p:sldIdLst>
   <p:sldSz cx="12192000" cy="6858000"/>
   <p:notesSz cx="6858000" cy="9144000"/>
@@ -109,7 +107,16 @@
       </a:defRPr>
     </a:lvl9pPr>
   </p:defaultTextStyle>
+  <p:extLst>
+    <p:ext uri="{EFAFB233-063F-42B5-8137-9DF3F51BA10A}">
+      <p15:sldGuideLst xmlns:p15="http://schemas.microsoft.com/office/powerpoint/2012/main"/>
+    </p:ext>
+  </p:extLst>
 </p:presentation>
+</file>
+
+<file path=ppt/revisionInfo.xml><?xml version="1.0" encoding="utf-8"?>
+<p1510:revInfo xmlns:a="http://schemas.openxmlformats.org/drawingml/2006/main" xmlns:r="http://schemas.openxmlformats.org/officeDocument/2006/relationships" xmlns:p1510="http://schemas.microsoft.com/office/powerpoint/2015/10/main"/>
 </file>
 
 <file path=ppt/slideLayouts/slideLayout1.xml><?xml version="1.0" encoding="utf-8"?>
@@ -3424,6 +3431,87 @@
           </a:p>
         </p:txBody>
       </p:sp>
+      <p:sp>
+        <p:nvSpPr>
+          <p:cNvPr id="2" name="TextBox 1">
+            <a:extLst>
+              <a:ext uri="{FF2B5EF4-FFF2-40B4-BE49-F238E27FC236}">
+                <a16:creationId xmlns:a16="http://schemas.microsoft.com/office/drawing/2014/main" id="{372BAF79-6C70-4549-86B7-8EBB89A50635}"/>
+              </a:ext>
+            </a:extLst>
+          </p:cNvPr>
+          <p:cNvSpPr txBox="1"/>
+          <p:nvPr/>
+        </p:nvSpPr>
+        <p:spPr>
+          <a:xfrm>
+            <a:off x="838200" y="1943100"/>
+            <a:ext cx="10629900" cy="2585323"/>
+          </a:xfrm>
+          <a:prstGeom prst="rect">
+            <a:avLst/>
+          </a:prstGeom>
+          <a:noFill/>
+        </p:spPr>
+        <p:txBody>
+          <a:bodyPr wrap="square" rtlCol="0">
+            <a:spAutoFit/>
+          </a:bodyPr>
+          <a:lstStyle/>
+          <a:p>
+            <a:r>
+              <a:rPr lang="ru-RU" sz="4800" dirty="0">
+                <a:solidFill>
+                  <a:srgbClr val="2980B9"/>
+                </a:solidFill>
+                <a:latin typeface="Open Sans" panose="020B0606030504020204" pitchFamily="34" charset="0"/>
+                <a:ea typeface="Open Sans" panose="020B0606030504020204" pitchFamily="34" charset="0"/>
+                <a:cs typeface="Open Sans" panose="020B0606030504020204" pitchFamily="34" charset="0"/>
+              </a:rPr>
+              <a:t>Упростить адаптацию в Центре для новых пациентов и их родителей</a:t>
+            </a:r>
+          </a:p>
+          <a:p>
+            <a:endParaRPr lang="ru-RU" dirty="0"/>
+          </a:p>
+        </p:txBody>
+      </p:sp>
+      <p:pic>
+        <p:nvPicPr>
+          <p:cNvPr id="5" name="Рисунок 4">
+            <a:extLst>
+              <a:ext uri="{FF2B5EF4-FFF2-40B4-BE49-F238E27FC236}">
+                <a16:creationId xmlns:a16="http://schemas.microsoft.com/office/drawing/2014/main" id="{E88BE68C-E244-4CD6-B236-FBA7272CA5D3}"/>
+              </a:ext>
+            </a:extLst>
+          </p:cNvPr>
+          <p:cNvPicPr>
+            <a:picLocks noChangeAspect="1"/>
+          </p:cNvPicPr>
+          <p:nvPr/>
+        </p:nvPicPr>
+        <p:blipFill>
+          <a:blip r:embed="rId3">
+            <a:extLst>
+              <a:ext uri="{28A0092B-C50C-407E-A947-70E740481C1C}">
+                <a14:useLocalDpi xmlns:a14="http://schemas.microsoft.com/office/drawing/2010/main" val="0"/>
+              </a:ext>
+            </a:extLst>
+          </a:blip>
+          <a:stretch>
+            <a:fillRect/>
+          </a:stretch>
+        </p:blipFill>
+        <p:spPr>
+          <a:xfrm>
+            <a:off x="5595068" y="3848099"/>
+            <a:ext cx="6196881" cy="2340403"/>
+          </a:xfrm>
+          <a:prstGeom prst="rect">
+            <a:avLst/>
+          </a:prstGeom>
+        </p:spPr>
+      </p:pic>
     </p:spTree>
     <p:extLst>
       <p:ext uri="{BB962C8B-B14F-4D97-AF65-F5344CB8AC3E}">
@@ -3623,7 +3711,7 @@
           <a:lstStyle/>
           <a:p>
             <a:r>
-              <a:rPr lang="ru-RU" b="1" dirty="0">
+              <a:rPr lang="ru-RU" b="1">
                 <a:solidFill>
                   <a:srgbClr val="2980B9"/>
                 </a:solidFill>
@@ -3631,183 +3719,95 @@
                 <a:ea typeface="Open Sans" panose="020B0606030504020204" pitchFamily="34" charset="0"/>
                 <a:cs typeface="Open Sans" panose="020B0606030504020204" pitchFamily="34" charset="0"/>
               </a:rPr>
-              <a:t>Заголовок</a:t>
-            </a:r>
-          </a:p>
-        </p:txBody>
-      </p:sp>
+              <a:t>Внешний вид</a:t>
+            </a:r>
+            <a:endParaRPr lang="ru-RU" b="1" dirty="0">
+              <a:solidFill>
+                <a:srgbClr val="2980B9"/>
+              </a:solidFill>
+              <a:latin typeface="Open Sans" panose="020B0606030504020204" pitchFamily="34" charset="0"/>
+              <a:ea typeface="Open Sans" panose="020B0606030504020204" pitchFamily="34" charset="0"/>
+              <a:cs typeface="Open Sans" panose="020B0606030504020204" pitchFamily="34" charset="0"/>
+            </a:endParaRPr>
+          </a:p>
+        </p:txBody>
+      </p:sp>
+      <p:pic>
+        <p:nvPicPr>
+          <p:cNvPr id="3" name="Рисунок 2" descr="Изображение выглядит как снимок экрана, электроника, монитор&#10;&#10;Описание создано с очень высокой степенью достоверности">
+            <a:extLst>
+              <a:ext uri="{FF2B5EF4-FFF2-40B4-BE49-F238E27FC236}">
+                <a16:creationId xmlns:a16="http://schemas.microsoft.com/office/drawing/2014/main" id="{A2B73BA2-722F-4F4B-A617-EEDE21E093C9}"/>
+              </a:ext>
+            </a:extLst>
+          </p:cNvPr>
+          <p:cNvPicPr>
+            <a:picLocks noChangeAspect="1"/>
+          </p:cNvPicPr>
+          <p:nvPr/>
+        </p:nvPicPr>
+        <p:blipFill>
+          <a:blip r:embed="rId3">
+            <a:extLst>
+              <a:ext uri="{28A0092B-C50C-407E-A947-70E740481C1C}">
+                <a14:useLocalDpi xmlns:a14="http://schemas.microsoft.com/office/drawing/2010/main" val="0"/>
+              </a:ext>
+            </a:extLst>
+          </a:blip>
+          <a:stretch>
+            <a:fillRect/>
+          </a:stretch>
+        </p:blipFill>
+        <p:spPr>
+          <a:xfrm>
+            <a:off x="2795453" y="1508218"/>
+            <a:ext cx="6601093" cy="5001018"/>
+          </a:xfrm>
+          <a:prstGeom prst="rect">
+            <a:avLst/>
+          </a:prstGeom>
+        </p:spPr>
+      </p:pic>
+      <p:pic>
+        <p:nvPicPr>
+          <p:cNvPr id="5" name="Рисунок 4">
+            <a:extLst>
+              <a:ext uri="{FF2B5EF4-FFF2-40B4-BE49-F238E27FC236}">
+                <a16:creationId xmlns:a16="http://schemas.microsoft.com/office/drawing/2014/main" id="{02761DB7-F1C7-4653-9AFC-820506EAAE65}"/>
+              </a:ext>
+            </a:extLst>
+          </p:cNvPr>
+          <p:cNvPicPr>
+            <a:picLocks noChangeAspect="1"/>
+          </p:cNvPicPr>
+          <p:nvPr/>
+        </p:nvPicPr>
+        <p:blipFill>
+          <a:blip r:embed="rId4">
+            <a:extLst>
+              <a:ext uri="{28A0092B-C50C-407E-A947-70E740481C1C}">
+                <a14:useLocalDpi xmlns:a14="http://schemas.microsoft.com/office/drawing/2010/main" val="0"/>
+              </a:ext>
+            </a:extLst>
+          </a:blip>
+          <a:stretch>
+            <a:fillRect/>
+          </a:stretch>
+        </p:blipFill>
+        <p:spPr>
+          <a:xfrm>
+            <a:off x="2880928" y="1638154"/>
+            <a:ext cx="6515618" cy="4871082"/>
+          </a:xfrm>
+          <a:prstGeom prst="rect">
+            <a:avLst/>
+          </a:prstGeom>
+        </p:spPr>
+      </p:pic>
     </p:spTree>
     <p:extLst>
       <p:ext uri="{BB962C8B-B14F-4D97-AF65-F5344CB8AC3E}">
-        <p14:creationId xmlns:p14="http://schemas.microsoft.com/office/powerpoint/2010/main" val="1683746055"/>
-      </p:ext>
-    </p:extLst>
-  </p:cSld>
-  <p:clrMapOvr>
-    <a:masterClrMapping/>
-  </p:clrMapOvr>
-</p:sld>
-</file>
-
-<file path=ppt/slides/slide5.xml><?xml version="1.0" encoding="utf-8"?>
-<p:sld xmlns:a="http://schemas.openxmlformats.org/drawingml/2006/main" xmlns:r="http://schemas.openxmlformats.org/officeDocument/2006/relationships" xmlns:p="http://schemas.openxmlformats.org/presentationml/2006/main">
-  <p:cSld>
-    <p:bg>
-      <p:bgPr>
-        <a:blipFill dpi="0" rotWithShape="1">
-          <a:blip r:embed="rId2">
-            <a:lum/>
-          </a:blip>
-          <a:srcRect/>
-          <a:stretch>
-            <a:fillRect/>
-          </a:stretch>
-        </a:blipFill>
-        <a:effectLst/>
-      </p:bgPr>
-    </p:bg>
-    <p:spTree>
-      <p:nvGrpSpPr>
-        <p:cNvPr id="1" name=""/>
-        <p:cNvGrpSpPr/>
-        <p:nvPr/>
-      </p:nvGrpSpPr>
-      <p:grpSpPr>
-        <a:xfrm>
-          <a:off x="0" y="0"/>
-          <a:ext cx="0" cy="0"/>
-          <a:chOff x="0" y="0"/>
-          <a:chExt cx="0" cy="0"/>
-        </a:xfrm>
-      </p:grpSpPr>
-      <p:sp>
-        <p:nvSpPr>
-          <p:cNvPr id="4" name="Заголовок 1">
-            <a:extLst>
-              <a:ext uri="{FF2B5EF4-FFF2-40B4-BE49-F238E27FC236}">
-                <a16:creationId xmlns:a16="http://schemas.microsoft.com/office/drawing/2014/main" id="{8805EAC7-E687-4DA6-B5E3-CE45CB0DDE8E}"/>
-              </a:ext>
-            </a:extLst>
-          </p:cNvPr>
-          <p:cNvSpPr>
-            <a:spLocks noGrp="1"/>
-          </p:cNvSpPr>
-          <p:nvPr>
-            <p:ph type="title"/>
-          </p:nvPr>
-        </p:nvSpPr>
-        <p:spPr>
-          <a:xfrm>
-            <a:off x="838200" y="365125"/>
-            <a:ext cx="10515600" cy="1325563"/>
-          </a:xfrm>
-        </p:spPr>
-        <p:txBody>
-          <a:bodyPr/>
-          <a:lstStyle/>
-          <a:p>
-            <a:r>
-              <a:rPr lang="ru-RU" b="1" dirty="0">
-                <a:solidFill>
-                  <a:srgbClr val="2980B9"/>
-                </a:solidFill>
-                <a:latin typeface="Open Sans" panose="020B0606030504020204" pitchFamily="34" charset="0"/>
-                <a:ea typeface="Open Sans" panose="020B0606030504020204" pitchFamily="34" charset="0"/>
-                <a:cs typeface="Open Sans" panose="020B0606030504020204" pitchFamily="34" charset="0"/>
-              </a:rPr>
-              <a:t>Заголовок</a:t>
-            </a:r>
-          </a:p>
-        </p:txBody>
-      </p:sp>
-    </p:spTree>
-    <p:extLst>
-      <p:ext uri="{BB962C8B-B14F-4D97-AF65-F5344CB8AC3E}">
-        <p14:creationId xmlns:p14="http://schemas.microsoft.com/office/powerpoint/2010/main" val="1768476302"/>
-      </p:ext>
-    </p:extLst>
-  </p:cSld>
-  <p:clrMapOvr>
-    <a:masterClrMapping/>
-  </p:clrMapOvr>
-</p:sld>
-</file>
-
-<file path=ppt/slides/slide6.xml><?xml version="1.0" encoding="utf-8"?>
-<p:sld xmlns:a="http://schemas.openxmlformats.org/drawingml/2006/main" xmlns:r="http://schemas.openxmlformats.org/officeDocument/2006/relationships" xmlns:p="http://schemas.openxmlformats.org/presentationml/2006/main">
-  <p:cSld>
-    <p:bg>
-      <p:bgPr>
-        <a:blipFill dpi="0" rotWithShape="1">
-          <a:blip r:embed="rId2">
-            <a:lum/>
-          </a:blip>
-          <a:srcRect/>
-          <a:stretch>
-            <a:fillRect/>
-          </a:stretch>
-        </a:blipFill>
-        <a:effectLst/>
-      </p:bgPr>
-    </p:bg>
-    <p:spTree>
-      <p:nvGrpSpPr>
-        <p:cNvPr id="1" name=""/>
-        <p:cNvGrpSpPr/>
-        <p:nvPr/>
-      </p:nvGrpSpPr>
-      <p:grpSpPr>
-        <a:xfrm>
-          <a:off x="0" y="0"/>
-          <a:ext cx="0" cy="0"/>
-          <a:chOff x="0" y="0"/>
-          <a:chExt cx="0" cy="0"/>
-        </a:xfrm>
-      </p:grpSpPr>
-      <p:sp>
-        <p:nvSpPr>
-          <p:cNvPr id="4" name="Заголовок 1">
-            <a:extLst>
-              <a:ext uri="{FF2B5EF4-FFF2-40B4-BE49-F238E27FC236}">
-                <a16:creationId xmlns:a16="http://schemas.microsoft.com/office/drawing/2014/main" id="{8805EAC7-E687-4DA6-B5E3-CE45CB0DDE8E}"/>
-              </a:ext>
-            </a:extLst>
-          </p:cNvPr>
-          <p:cNvSpPr>
-            <a:spLocks noGrp="1"/>
-          </p:cNvSpPr>
-          <p:nvPr>
-            <p:ph type="title"/>
-          </p:nvPr>
-        </p:nvSpPr>
-        <p:spPr>
-          <a:xfrm>
-            <a:off x="838200" y="365125"/>
-            <a:ext cx="10515600" cy="1325563"/>
-          </a:xfrm>
-        </p:spPr>
-        <p:txBody>
-          <a:bodyPr/>
-          <a:lstStyle/>
-          <a:p>
-            <a:r>
-              <a:rPr lang="ru-RU" b="1" dirty="0">
-                <a:solidFill>
-                  <a:srgbClr val="2980B9"/>
-                </a:solidFill>
-                <a:latin typeface="Open Sans" panose="020B0606030504020204" pitchFamily="34" charset="0"/>
-                <a:ea typeface="Open Sans" panose="020B0606030504020204" pitchFamily="34" charset="0"/>
-                <a:cs typeface="Open Sans" panose="020B0606030504020204" pitchFamily="34" charset="0"/>
-              </a:rPr>
-              <a:t>Заголовок</a:t>
-            </a:r>
-          </a:p>
-        </p:txBody>
-      </p:sp>
-    </p:spTree>
-    <p:extLst>
-      <p:ext uri="{BB962C8B-B14F-4D97-AF65-F5344CB8AC3E}">
-        <p14:creationId xmlns:p14="http://schemas.microsoft.com/office/powerpoint/2010/main" val="3166401959"/>
+        <p14:creationId xmlns:p14="http://schemas.microsoft.com/office/powerpoint/2010/main" val="2948059738"/>
       </p:ext>
     </p:extLst>
   </p:cSld>
